--- a/final-project/Data_Science_Proj_TonyC_Final.pptx
+++ b/final-project/Data_Science_Proj_TonyC_Final.pptx
@@ -8,7 +8,7 @@
     <p:sldMasterId id="2147483726" r:id="rId4"/>
   </p:sldMasterIdLst>
   <p:notesMasterIdLst>
-    <p:notesMasterId r:id="rId15"/>
+    <p:notesMasterId r:id="rId16"/>
   </p:notesMasterIdLst>
   <p:sldIdLst>
     <p:sldId id="256" r:id="rId5"/>
@@ -16,47 +16,48 @@
     <p:sldId id="258" r:id="rId7"/>
     <p:sldId id="259" r:id="rId8"/>
     <p:sldId id="260" r:id="rId9"/>
-    <p:sldId id="262" r:id="rId10"/>
-    <p:sldId id="266" r:id="rId11"/>
-    <p:sldId id="263" r:id="rId12"/>
-    <p:sldId id="264" r:id="rId13"/>
-    <p:sldId id="265" r:id="rId14"/>
+    <p:sldId id="267" r:id="rId10"/>
+    <p:sldId id="262" r:id="rId11"/>
+    <p:sldId id="266" r:id="rId12"/>
+    <p:sldId id="263" r:id="rId13"/>
+    <p:sldId id="264" r:id="rId14"/>
+    <p:sldId id="265" r:id="rId15"/>
   </p:sldIdLst>
   <p:sldSz cx="9144000" cy="5143500" type="screen16x9"/>
   <p:notesSz cx="6858000" cy="9144000"/>
   <p:embeddedFontLst>
     <p:embeddedFont>
       <p:font typeface="Montserrat" panose="020B0604020202020204" charset="0"/>
-      <p:regular r:id="rId16"/>
-      <p:bold r:id="rId17"/>
+      <p:regular r:id="rId17"/>
+      <p:bold r:id="rId18"/>
     </p:embeddedFont>
     <p:embeddedFont>
       <p:font typeface="Open Sans" panose="020B0604020202020204" charset="0"/>
-      <p:regular r:id="rId18"/>
-      <p:bold r:id="rId19"/>
-      <p:italic r:id="rId20"/>
-      <p:boldItalic r:id="rId21"/>
+      <p:regular r:id="rId19"/>
+      <p:bold r:id="rId20"/>
+      <p:italic r:id="rId21"/>
+      <p:boldItalic r:id="rId22"/>
     </p:embeddedFont>
     <p:embeddedFont>
       <p:font typeface="Verdana" panose="020B0604030504040204" pitchFamily="34" charset="0"/>
-      <p:regular r:id="rId22"/>
-      <p:bold r:id="rId23"/>
-      <p:italic r:id="rId24"/>
-      <p:boldItalic r:id="rId25"/>
+      <p:regular r:id="rId23"/>
+      <p:bold r:id="rId24"/>
+      <p:italic r:id="rId25"/>
+      <p:boldItalic r:id="rId26"/>
+    </p:embeddedFont>
+    <p:embeddedFont>
+      <p:font typeface="Proxima Nova" panose="020B0604020202020204" charset="0"/>
+      <p:regular r:id="rId27"/>
+      <p:bold r:id="rId28"/>
+      <p:italic r:id="rId29"/>
+      <p:boldItalic r:id="rId30"/>
     </p:embeddedFont>
     <p:embeddedFont>
       <p:font typeface="Karla" panose="020B0604020202020204" charset="0"/>
-      <p:regular r:id="rId26"/>
-      <p:bold r:id="rId27"/>
-      <p:italic r:id="rId28"/>
-      <p:boldItalic r:id="rId29"/>
-    </p:embeddedFont>
-    <p:embeddedFont>
-      <p:font typeface="Proxima Nova" panose="020B0604020202020204" charset="0"/>
-      <p:regular r:id="rId30"/>
-      <p:bold r:id="rId31"/>
-      <p:italic r:id="rId32"/>
-      <p:boldItalic r:id="rId33"/>
+      <p:regular r:id="rId31"/>
+      <p:bold r:id="rId32"/>
+      <p:italic r:id="rId33"/>
+      <p:boldItalic r:id="rId34"/>
     </p:embeddedFont>
   </p:embeddedFontLst>
   <p:defaultTextStyle>
@@ -749,6 +750,134 @@
     </p:spTree>
     <p:extLst>
       <p:ext uri="{BB962C8B-B14F-4D97-AF65-F5344CB8AC3E}">
+        <p14:creationId xmlns:p14="http://schemas.microsoft.com/office/powerpoint/2010/main" val="1842880560"/>
+      </p:ext>
+    </p:extLst>
+  </p:cSld>
+  <p:clrMapOvr>
+    <a:masterClrMapping/>
+  </p:clrMapOvr>
+</p:notes>
+</file>
+
+<file path=ppt/notesSlides/notesSlide11.xml><?xml version="1.0" encoding="utf-8"?>
+<p:notes xmlns:a="http://schemas.openxmlformats.org/drawingml/2006/main" xmlns:r="http://schemas.openxmlformats.org/officeDocument/2006/relationships" xmlns:p="http://schemas.openxmlformats.org/presentationml/2006/main" showMasterSp="0" showMasterPhAnim="0">
+  <p:cSld>
+    <p:spTree>
+      <p:nvGrpSpPr>
+        <p:cNvPr id="1" name="Shape 342"/>
+        <p:cNvGrpSpPr/>
+        <p:nvPr/>
+      </p:nvGrpSpPr>
+      <p:grpSpPr>
+        <a:xfrm>
+          <a:off x="0" y="0"/>
+          <a:ext cx="0" cy="0"/>
+          <a:chOff x="0" y="0"/>
+          <a:chExt cx="0" cy="0"/>
+        </a:xfrm>
+      </p:grpSpPr>
+      <p:sp>
+        <p:nvSpPr>
+          <p:cNvPr id="343" name="Shape 343"/>
+          <p:cNvSpPr>
+            <a:spLocks noGrp="1" noRot="1" noChangeAspect="1"/>
+          </p:cNvSpPr>
+          <p:nvPr>
+            <p:ph type="sldImg" idx="2"/>
+          </p:nvPr>
+        </p:nvSpPr>
+        <p:spPr>
+          <a:xfrm>
+            <a:off x="381000" y="685800"/>
+            <a:ext cx="6096000" cy="3429000"/>
+          </a:xfrm>
+          <a:custGeom>
+            <a:avLst/>
+            <a:gdLst/>
+            <a:ahLst/>
+            <a:cxnLst/>
+            <a:rect l="0" t="0" r="0" b="0"/>
+            <a:pathLst>
+              <a:path w="120000" h="120000" extrusionOk="0">
+                <a:moveTo>
+                  <a:pt x="0" y="0"/>
+                </a:moveTo>
+                <a:lnTo>
+                  <a:pt x="120000" y="0"/>
+                </a:lnTo>
+                <a:lnTo>
+                  <a:pt x="120000" y="120000"/>
+                </a:lnTo>
+                <a:lnTo>
+                  <a:pt x="0" y="120000"/>
+                </a:lnTo>
+                <a:close/>
+              </a:path>
+            </a:pathLst>
+          </a:custGeom>
+        </p:spPr>
+      </p:sp>
+      <p:sp>
+        <p:nvSpPr>
+          <p:cNvPr id="344" name="Shape 344"/>
+          <p:cNvSpPr txBox="1">
+            <a:spLocks noGrp="1"/>
+          </p:cNvSpPr>
+          <p:nvPr>
+            <p:ph type="body" idx="1"/>
+          </p:nvPr>
+        </p:nvSpPr>
+        <p:spPr>
+          <a:xfrm>
+            <a:off x="685800" y="4343400"/>
+            <a:ext cx="5486400" cy="4114800"/>
+          </a:xfrm>
+          <a:prstGeom prst="rect">
+            <a:avLst/>
+          </a:prstGeom>
+        </p:spPr>
+        <p:txBody>
+          <a:bodyPr lIns="91425" tIns="91425" rIns="91425" bIns="91425" anchor="t" anchorCtr="0">
+            <a:noAutofit/>
+          </a:bodyPr>
+          <a:lstStyle/>
+          <a:p>
+            <a:pPr marL="0" marR="0" lvl="0" indent="0" algn="l" defTabSz="914400" rtl="0" eaLnBrk="1" fontAlgn="auto" latinLnBrk="0" hangingPunct="1">
+              <a:lnSpc>
+                <a:spcPct val="100000"/>
+              </a:lnSpc>
+              <a:spcBef>
+                <a:spcPts val="0"/>
+              </a:spcBef>
+              <a:spcAft>
+                <a:spcPts val="1200"/>
+              </a:spcAft>
+              <a:buClrTx/>
+              <a:buSzTx/>
+              <a:buFontTx/>
+              <a:buNone/>
+              <a:tabLst/>
+              <a:defRPr/>
+            </a:pPr>
+            <a:r>
+              <a:rPr lang="en" sz="1600" dirty="0">
+                <a:solidFill>
+                  <a:schemeClr val="dk1"/>
+                </a:solidFill>
+                <a:latin typeface="+mn-lt"/>
+                <a:ea typeface="Arial"/>
+                <a:cs typeface="Arial"/>
+                <a:sym typeface="Arial"/>
+              </a:rPr>
+              <a:t>A challenge is that dollar based net expansion (my dependent variable) is a ratio, and it’s very difficult to do meaningful arithmetic on a ratio, so this may change how I measure my output variable. </a:t>
+            </a:r>
+          </a:p>
+        </p:txBody>
+      </p:sp>
+    </p:spTree>
+    <p:extLst>
+      <p:ext uri="{BB962C8B-B14F-4D97-AF65-F5344CB8AC3E}">
         <p14:creationId xmlns:p14="http://schemas.microsoft.com/office/powerpoint/2010/main" val="1981696964"/>
       </p:ext>
     </p:extLst>
@@ -1336,7 +1465,7 @@
     </p:spTree>
     <p:extLst>
       <p:ext uri="{BB962C8B-B14F-4D97-AF65-F5344CB8AC3E}">
-        <p14:creationId xmlns:p14="http://schemas.microsoft.com/office/powerpoint/2010/main" val="2329109273"/>
+        <p14:creationId xmlns:p14="http://schemas.microsoft.com/office/powerpoint/2010/main" val="2793951109"/>
       </p:ext>
     </p:extLst>
   </p:cSld>
@@ -1464,7 +1593,7 @@
     </p:spTree>
     <p:extLst>
       <p:ext uri="{BB962C8B-B14F-4D97-AF65-F5344CB8AC3E}">
-        <p14:creationId xmlns:p14="http://schemas.microsoft.com/office/powerpoint/2010/main" val="1884747177"/>
+        <p14:creationId xmlns:p14="http://schemas.microsoft.com/office/powerpoint/2010/main" val="2329109273"/>
       </p:ext>
     </p:extLst>
   </p:cSld>
@@ -1592,7 +1721,7 @@
     </p:spTree>
     <p:extLst>
       <p:ext uri="{BB962C8B-B14F-4D97-AF65-F5344CB8AC3E}">
-        <p14:creationId xmlns:p14="http://schemas.microsoft.com/office/powerpoint/2010/main" val="3262923851"/>
+        <p14:creationId xmlns:p14="http://schemas.microsoft.com/office/powerpoint/2010/main" val="1884747177"/>
       </p:ext>
     </p:extLst>
   </p:cSld>
@@ -1720,7 +1849,7 @@
     </p:spTree>
     <p:extLst>
       <p:ext uri="{BB962C8B-B14F-4D97-AF65-F5344CB8AC3E}">
-        <p14:creationId xmlns:p14="http://schemas.microsoft.com/office/powerpoint/2010/main" val="1842880560"/>
+        <p14:creationId xmlns:p14="http://schemas.microsoft.com/office/powerpoint/2010/main" val="3262923851"/>
       </p:ext>
     </p:extLst>
   </p:cSld>
@@ -29325,6 +29454,417 @@
           </a:bodyPr>
           <a:lstStyle/>
           <a:p>
+            <a:pPr marL="228600" marR="0" lvl="0" algn="l" rtl="0">
+              <a:lnSpc>
+                <a:spcPct val="115000"/>
+              </a:lnSpc>
+              <a:spcBef>
+                <a:spcPts val="0"/>
+              </a:spcBef>
+              <a:spcAft>
+                <a:spcPts val="0"/>
+              </a:spcAft>
+              <a:buClr>
+                <a:schemeClr val="dk1"/>
+              </a:buClr>
+            </a:pPr>
+            <a:r>
+              <a:rPr lang="en" dirty="0">
+                <a:solidFill>
+                  <a:schemeClr val="dk1"/>
+                </a:solidFill>
+                <a:latin typeface="Arial"/>
+                <a:ea typeface="Arial"/>
+                <a:cs typeface="Arial"/>
+                <a:sym typeface="Arial"/>
+              </a:rPr>
+              <a:t>When Sig_Exp_90 == 0:</a:t>
+            </a:r>
+          </a:p>
+          <a:p>
+            <a:pPr marL="457200" lvl="3" indent="-228600">
+              <a:lnSpc>
+                <a:spcPct val="115000"/>
+              </a:lnSpc>
+              <a:buClr>
+                <a:schemeClr val="dk1"/>
+              </a:buClr>
+              <a:buFont typeface="Arial"/>
+              <a:buChar char="●"/>
+            </a:pPr>
+            <a:r>
+              <a:rPr lang="en-US" altLang="en-US" sz="1600" dirty="0">
+                <a:latin typeface="Courier New" panose="02070309020205020404" pitchFamily="49" charset="0"/>
+              </a:rPr>
+              <a:t>training misclassification = 0.253</a:t>
+            </a:r>
+          </a:p>
+          <a:p>
+            <a:pPr marL="457200" lvl="4" indent="-228600">
+              <a:lnSpc>
+                <a:spcPct val="115000"/>
+              </a:lnSpc>
+              <a:buClr>
+                <a:schemeClr val="dk1"/>
+              </a:buClr>
+              <a:buFont typeface="Arial"/>
+              <a:buChar char="●"/>
+            </a:pPr>
+            <a:r>
+              <a:rPr lang="en-US" altLang="en-US" sz="1600" dirty="0">
+                <a:latin typeface="Courier New" panose="02070309020205020404" pitchFamily="49" charset="0"/>
+              </a:rPr>
+              <a:t>testing misclassification = 0.255</a:t>
+            </a:r>
+            <a:r>
+              <a:rPr lang="en-US" altLang="en-US" sz="900" dirty="0">
+                <a:solidFill>
+                  <a:schemeClr val="tx1"/>
+                </a:solidFill>
+              </a:rPr>
+              <a:t> </a:t>
+            </a:r>
+            <a:br>
+              <a:rPr lang="en-US" altLang="en-US" sz="800" dirty="0">
+                <a:solidFill>
+                  <a:schemeClr val="tx1"/>
+                </a:solidFill>
+              </a:rPr>
+            </a:br>
+            <a:endParaRPr lang="en-US" altLang="en-US" sz="800" dirty="0">
+              <a:solidFill>
+                <a:schemeClr val="tx1"/>
+              </a:solidFill>
+            </a:endParaRPr>
+          </a:p>
+          <a:p>
+            <a:pPr marL="228600" lvl="4">
+              <a:lnSpc>
+                <a:spcPct val="115000"/>
+              </a:lnSpc>
+              <a:buClr>
+                <a:schemeClr val="dk1"/>
+              </a:buClr>
+            </a:pPr>
+            <a:r>
+              <a:rPr lang="en" sz="2300" dirty="0">
+                <a:solidFill>
+                  <a:schemeClr val="dk1"/>
+                </a:solidFill>
+                <a:sym typeface="Proxima Nova"/>
+              </a:rPr>
+              <a:t>When Sig_Exp_90 == 1:</a:t>
+            </a:r>
+          </a:p>
+          <a:p>
+            <a:pPr marL="571500" lvl="4" indent="-342900">
+              <a:lnSpc>
+                <a:spcPct val="115000"/>
+              </a:lnSpc>
+              <a:buClr>
+                <a:schemeClr val="dk1"/>
+              </a:buClr>
+              <a:buFont typeface="Arial" panose="020B0604020202020204" pitchFamily="34" charset="0"/>
+              <a:buChar char="•"/>
+            </a:pPr>
+            <a:r>
+              <a:rPr lang="en-US" altLang="en-US" sz="1800" dirty="0">
+                <a:latin typeface="Courier New" panose="02070309020205020404" pitchFamily="49" charset="0"/>
+              </a:rPr>
+              <a:t>training misclassification = 0.119079071523 </a:t>
+            </a:r>
+          </a:p>
+          <a:p>
+            <a:pPr marL="571500" lvl="4" indent="-342900">
+              <a:lnSpc>
+                <a:spcPct val="115000"/>
+              </a:lnSpc>
+              <a:buClr>
+                <a:schemeClr val="dk1"/>
+              </a:buClr>
+              <a:buFont typeface="Arial" panose="020B0604020202020204" pitchFamily="34" charset="0"/>
+              <a:buChar char="•"/>
+            </a:pPr>
+            <a:r>
+              <a:rPr lang="en-US" altLang="en-US" sz="1800" dirty="0">
+                <a:latin typeface="Courier New" panose="02070309020205020404" pitchFamily="49" charset="0"/>
+              </a:rPr>
+              <a:t>testing misclassification = 0.113250283126 </a:t>
+            </a:r>
+          </a:p>
+          <a:p>
+            <a:pPr marL="228600" lvl="4">
+              <a:lnSpc>
+                <a:spcPct val="115000"/>
+              </a:lnSpc>
+              <a:buClr>
+                <a:schemeClr val="dk1"/>
+              </a:buClr>
+            </a:pPr>
+            <a:endParaRPr lang="en-US" sz="1800" dirty="0">
+              <a:solidFill>
+                <a:schemeClr val="dk1"/>
+              </a:solidFill>
+              <a:latin typeface="Courier New" panose="02070309020205020404" pitchFamily="49" charset="0"/>
+              <a:sym typeface="Proxima Nova"/>
+            </a:endParaRPr>
+          </a:p>
+          <a:p>
+            <a:pPr marL="228600" lvl="4">
+              <a:lnSpc>
+                <a:spcPct val="115000"/>
+              </a:lnSpc>
+              <a:buClr>
+                <a:schemeClr val="dk1"/>
+              </a:buClr>
+            </a:pPr>
+            <a:r>
+              <a:rPr lang="en-US" sz="2300" dirty="0">
+                <a:solidFill>
+                  <a:schemeClr val="dk1"/>
+                </a:solidFill>
+                <a:sym typeface="Proxima Nova"/>
+              </a:rPr>
+              <a:t>Linear regression doesn’t seem like the way to go. More useful to use Linear Regression.</a:t>
+            </a:r>
+            <a:endParaRPr lang="en-US" sz="1800" dirty="0">
+              <a:solidFill>
+                <a:schemeClr val="dk1"/>
+              </a:solidFill>
+              <a:latin typeface="Courier New" panose="02070309020205020404" pitchFamily="49" charset="0"/>
+              <a:sym typeface="Proxima Nova"/>
+            </a:endParaRPr>
+          </a:p>
+          <a:p>
+            <a:pPr marL="228600" lvl="4">
+              <a:lnSpc>
+                <a:spcPct val="115000"/>
+              </a:lnSpc>
+              <a:buClr>
+                <a:schemeClr val="dk1"/>
+              </a:buClr>
+            </a:pPr>
+            <a:r>
+              <a:rPr lang="en-US" sz="2300" dirty="0">
+                <a:solidFill>
+                  <a:schemeClr val="dk1"/>
+                </a:solidFill>
+                <a:sym typeface="Proxima Nova"/>
+              </a:rPr>
+              <a:t>Challenges:</a:t>
+            </a:r>
+          </a:p>
+          <a:p>
+            <a:pPr marL="571500" lvl="4" indent="-342900">
+              <a:lnSpc>
+                <a:spcPct val="115000"/>
+              </a:lnSpc>
+              <a:buClr>
+                <a:schemeClr val="dk1"/>
+              </a:buClr>
+              <a:buFont typeface="Arial" panose="020B0604020202020204" pitchFamily="34" charset="0"/>
+              <a:buChar char="•"/>
+            </a:pPr>
+            <a:r>
+              <a:rPr lang="en-US" sz="2300" dirty="0">
+                <a:solidFill>
+                  <a:schemeClr val="dk1"/>
+                </a:solidFill>
+                <a:sym typeface="Proxima Nova"/>
+              </a:rPr>
+              <a:t>Data has time series element to it. </a:t>
+            </a:r>
+          </a:p>
+          <a:p>
+            <a:pPr marL="228600" lvl="4">
+              <a:lnSpc>
+                <a:spcPct val="115000"/>
+              </a:lnSpc>
+              <a:buClr>
+                <a:schemeClr val="dk1"/>
+              </a:buClr>
+            </a:pPr>
+            <a:endParaRPr lang="en" sz="2300" dirty="0">
+              <a:solidFill>
+                <a:schemeClr val="dk1"/>
+              </a:solidFill>
+              <a:sym typeface="Proxima Nova"/>
+            </a:endParaRPr>
+          </a:p>
+          <a:p>
+            <a:pPr marL="228600" lvl="4">
+              <a:lnSpc>
+                <a:spcPct val="115000"/>
+              </a:lnSpc>
+              <a:buClr>
+                <a:schemeClr val="dk1"/>
+              </a:buClr>
+            </a:pPr>
+            <a:endParaRPr lang="en-US" altLang="en-US" sz="3200" dirty="0">
+              <a:solidFill>
+                <a:schemeClr val="tx1"/>
+              </a:solidFill>
+              <a:latin typeface="Arial" panose="020B0604020202020204" pitchFamily="34" charset="0"/>
+            </a:endParaRPr>
+          </a:p>
+          <a:p>
+            <a:pPr marL="457200" lvl="1" indent="-228600">
+              <a:lnSpc>
+                <a:spcPct val="115000"/>
+              </a:lnSpc>
+              <a:buClr>
+                <a:schemeClr val="dk1"/>
+              </a:buClr>
+              <a:buFont typeface="Arial"/>
+              <a:buChar char="●"/>
+            </a:pPr>
+            <a:endParaRPr lang="en" dirty="0">
+              <a:solidFill>
+                <a:schemeClr val="dk1"/>
+              </a:solidFill>
+              <a:latin typeface="Arial"/>
+              <a:ea typeface="Arial"/>
+              <a:cs typeface="Arial"/>
+              <a:sym typeface="Arial"/>
+            </a:endParaRPr>
+          </a:p>
+          <a:p>
+            <a:pPr marL="457200" marR="0" lvl="0" indent="-228600" algn="l" rtl="0">
+              <a:lnSpc>
+                <a:spcPct val="115000"/>
+              </a:lnSpc>
+              <a:spcBef>
+                <a:spcPts val="0"/>
+              </a:spcBef>
+              <a:spcAft>
+                <a:spcPts val="0"/>
+              </a:spcAft>
+              <a:buClr>
+                <a:schemeClr val="dk1"/>
+              </a:buClr>
+              <a:buFont typeface="Arial"/>
+              <a:buChar char="●"/>
+            </a:pPr>
+            <a:endParaRPr lang="en" dirty="0">
+              <a:solidFill>
+                <a:schemeClr val="dk1"/>
+              </a:solidFill>
+              <a:latin typeface="Arial"/>
+              <a:ea typeface="Arial"/>
+              <a:cs typeface="Arial"/>
+              <a:sym typeface="Arial"/>
+            </a:endParaRPr>
+          </a:p>
+        </p:txBody>
+      </p:sp>
+      <p:sp>
+        <p:nvSpPr>
+          <p:cNvPr id="347" name="Shape 347"/>
+          <p:cNvSpPr txBox="1">
+            <a:spLocks noGrp="1"/>
+          </p:cNvSpPr>
+          <p:nvPr>
+            <p:ph type="subTitle" idx="3"/>
+          </p:nvPr>
+        </p:nvSpPr>
+        <p:spPr>
+          <a:xfrm>
+            <a:off x="10" y="10"/>
+            <a:ext cx="8442300" cy="396300"/>
+          </a:xfrm>
+          <a:prstGeom prst="rect">
+            <a:avLst/>
+          </a:prstGeom>
+          <a:noFill/>
+          <a:ln>
+            <a:noFill/>
+          </a:ln>
+        </p:spPr>
+        <p:txBody>
+          <a:bodyPr lIns="91425" tIns="91425" rIns="91425" bIns="91425" anchor="t" anchorCtr="0">
+            <a:noAutofit/>
+          </a:bodyPr>
+          <a:lstStyle/>
+          <a:p>
+            <a:pPr marL="0" marR="0" lvl="0" indent="0" algn="l" rtl="0">
+              <a:lnSpc>
+                <a:spcPct val="100000"/>
+              </a:lnSpc>
+              <a:spcBef>
+                <a:spcPts val="0"/>
+              </a:spcBef>
+              <a:spcAft>
+                <a:spcPts val="0"/>
+              </a:spcAft>
+              <a:buClr>
+                <a:schemeClr val="accent1"/>
+              </a:buClr>
+              <a:buSzPct val="25000"/>
+              <a:buFont typeface="Arial"/>
+              <a:buNone/>
+            </a:pPr>
+            <a:r>
+              <a:rPr lang="en" sz="2400" dirty="0"/>
+              <a:t>Results</a:t>
+            </a:r>
+          </a:p>
+        </p:txBody>
+      </p:sp>
+    </p:spTree>
+    <p:extLst>
+      <p:ext uri="{BB962C8B-B14F-4D97-AF65-F5344CB8AC3E}">
+        <p14:creationId xmlns:p14="http://schemas.microsoft.com/office/powerpoint/2010/main" val="941955816"/>
+      </p:ext>
+    </p:extLst>
+  </p:cSld>
+  <p:clrMapOvr>
+    <a:masterClrMapping/>
+  </p:clrMapOvr>
+</p:sld>
+</file>
+
+<file path=ppt/slides/slide11.xml><?xml version="1.0" encoding="utf-8"?>
+<p:sld xmlns:a="http://schemas.openxmlformats.org/drawingml/2006/main" xmlns:r="http://schemas.openxmlformats.org/officeDocument/2006/relationships" xmlns:p="http://schemas.openxmlformats.org/presentationml/2006/main">
+  <p:cSld>
+    <p:spTree>
+      <p:nvGrpSpPr>
+        <p:cNvPr id="1" name="Shape 345"/>
+        <p:cNvGrpSpPr/>
+        <p:nvPr/>
+      </p:nvGrpSpPr>
+      <p:grpSpPr>
+        <a:xfrm>
+          <a:off x="0" y="0"/>
+          <a:ext cx="0" cy="0"/>
+          <a:chOff x="0" y="0"/>
+          <a:chExt cx="0" cy="0"/>
+        </a:xfrm>
+      </p:grpSpPr>
+      <p:sp>
+        <p:nvSpPr>
+          <p:cNvPr id="346" name="Shape 346"/>
+          <p:cNvSpPr txBox="1">
+            <a:spLocks noGrp="1"/>
+          </p:cNvSpPr>
+          <p:nvPr>
+            <p:ph type="body" idx="1"/>
+          </p:nvPr>
+        </p:nvSpPr>
+        <p:spPr>
+          <a:xfrm>
+            <a:off x="305525" y="708050"/>
+            <a:ext cx="8136900" cy="4081500"/>
+          </a:xfrm>
+          <a:prstGeom prst="rect">
+            <a:avLst/>
+          </a:prstGeom>
+        </p:spPr>
+        <p:txBody>
+          <a:bodyPr lIns="91425" tIns="91425" rIns="91425" bIns="91425" anchor="t" anchorCtr="0">
+            <a:noAutofit/>
+          </a:bodyPr>
+          <a:lstStyle/>
+          <a:p>
             <a:pPr marL="457200" indent="-228600">
               <a:lnSpc>
                 <a:spcPct val="115000"/>
@@ -30506,6 +31046,232 @@
 </file>
 
 <file path=ppt/slides/slide6.xml><?xml version="1.0" encoding="utf-8"?>
+<p:sld xmlns:a="http://schemas.openxmlformats.org/drawingml/2006/main" xmlns:r="http://schemas.openxmlformats.org/officeDocument/2006/relationships" xmlns:p="http://schemas.openxmlformats.org/presentationml/2006/main">
+  <p:cSld>
+    <p:spTree>
+      <p:nvGrpSpPr>
+        <p:cNvPr id="1" name="Shape 345"/>
+        <p:cNvGrpSpPr/>
+        <p:nvPr/>
+      </p:nvGrpSpPr>
+      <p:grpSpPr>
+        <a:xfrm>
+          <a:off x="0" y="0"/>
+          <a:ext cx="0" cy="0"/>
+          <a:chOff x="0" y="0"/>
+          <a:chExt cx="0" cy="0"/>
+        </a:xfrm>
+      </p:grpSpPr>
+      <p:sp>
+        <p:nvSpPr>
+          <p:cNvPr id="346" name="Shape 346"/>
+          <p:cNvSpPr txBox="1">
+            <a:spLocks noGrp="1"/>
+          </p:cNvSpPr>
+          <p:nvPr>
+            <p:ph type="body" idx="1"/>
+          </p:nvPr>
+        </p:nvSpPr>
+        <p:spPr>
+          <a:xfrm>
+            <a:off x="305525" y="708050"/>
+            <a:ext cx="8136900" cy="4081500"/>
+          </a:xfrm>
+          <a:prstGeom prst="rect">
+            <a:avLst/>
+          </a:prstGeom>
+        </p:spPr>
+        <p:txBody>
+          <a:bodyPr lIns="91425" tIns="91425" rIns="91425" bIns="91425" anchor="t" anchorCtr="0">
+            <a:noAutofit/>
+          </a:bodyPr>
+          <a:lstStyle/>
+          <a:p>
+            <a:pPr marL="457200" marR="0" lvl="0" indent="-228600" algn="l" rtl="0">
+              <a:lnSpc>
+                <a:spcPct val="115000"/>
+              </a:lnSpc>
+              <a:spcBef>
+                <a:spcPts val="0"/>
+              </a:spcBef>
+              <a:spcAft>
+                <a:spcPts val="0"/>
+              </a:spcAft>
+              <a:buClr>
+                <a:schemeClr val="dk1"/>
+              </a:buClr>
+              <a:buFont typeface="Arial"/>
+              <a:buChar char="●"/>
+            </a:pPr>
+            <a:r>
+              <a:rPr lang="en" dirty="0">
+                <a:solidFill>
+                  <a:schemeClr val="dk1"/>
+                </a:solidFill>
+                <a:latin typeface="Arial"/>
+                <a:ea typeface="Arial"/>
+                <a:cs typeface="Arial"/>
+                <a:sym typeface="Arial"/>
+              </a:rPr>
+              <a:t>Start with a tiny version of the data set to get a sense of which variables were interesting, then scale out to full data set</a:t>
+            </a:r>
+          </a:p>
+          <a:p>
+            <a:pPr marL="457200" marR="0" lvl="0" indent="-228600" algn="l" rtl="0">
+              <a:lnSpc>
+                <a:spcPct val="115000"/>
+              </a:lnSpc>
+              <a:spcBef>
+                <a:spcPts val="0"/>
+              </a:spcBef>
+              <a:spcAft>
+                <a:spcPts val="0"/>
+              </a:spcAft>
+              <a:buClr>
+                <a:schemeClr val="dk1"/>
+              </a:buClr>
+              <a:buFont typeface="Arial"/>
+              <a:buChar char="●"/>
+            </a:pPr>
+            <a:r>
+              <a:rPr lang="en" dirty="0">
+                <a:solidFill>
+                  <a:schemeClr val="dk1"/>
+                </a:solidFill>
+                <a:latin typeface="Arial"/>
+                <a:ea typeface="Arial"/>
+                <a:cs typeface="Arial"/>
+                <a:sym typeface="Arial"/>
+              </a:rPr>
+              <a:t>This approach showed that my time series and product usage data yielded more interesting results</a:t>
+            </a:r>
+          </a:p>
+          <a:p>
+            <a:pPr marL="457200" marR="0" lvl="0" indent="-228600" algn="l" rtl="0">
+              <a:lnSpc>
+                <a:spcPct val="115000"/>
+              </a:lnSpc>
+              <a:spcBef>
+                <a:spcPts val="0"/>
+              </a:spcBef>
+              <a:spcAft>
+                <a:spcPts val="0"/>
+              </a:spcAft>
+              <a:buClr>
+                <a:schemeClr val="dk1"/>
+              </a:buClr>
+              <a:buFont typeface="Arial"/>
+              <a:buChar char="●"/>
+            </a:pPr>
+            <a:r>
+              <a:rPr lang="en" dirty="0">
+                <a:solidFill>
+                  <a:schemeClr val="dk1"/>
+                </a:solidFill>
+                <a:latin typeface="Arial"/>
+                <a:ea typeface="Arial"/>
+                <a:cs typeface="Arial"/>
+                <a:sym typeface="Arial"/>
+              </a:rPr>
+              <a:t>My statis/attribute variables were just too general to yield significant results</a:t>
+            </a:r>
+          </a:p>
+          <a:p>
+            <a:pPr marL="457200" marR="0" lvl="0" indent="-228600" algn="l" rtl="0">
+              <a:lnSpc>
+                <a:spcPct val="115000"/>
+              </a:lnSpc>
+              <a:spcBef>
+                <a:spcPts val="0"/>
+              </a:spcBef>
+              <a:spcAft>
+                <a:spcPts val="0"/>
+              </a:spcAft>
+              <a:buClr>
+                <a:schemeClr val="dk1"/>
+              </a:buClr>
+              <a:buFont typeface="Arial"/>
+              <a:buChar char="●"/>
+            </a:pPr>
+            <a:endParaRPr lang="en" dirty="0">
+              <a:solidFill>
+                <a:schemeClr val="dk1"/>
+              </a:solidFill>
+              <a:latin typeface="Arial"/>
+              <a:ea typeface="Arial"/>
+              <a:cs typeface="Arial"/>
+              <a:sym typeface="Arial"/>
+            </a:endParaRPr>
+          </a:p>
+        </p:txBody>
+      </p:sp>
+      <p:sp>
+        <p:nvSpPr>
+          <p:cNvPr id="347" name="Shape 347"/>
+          <p:cNvSpPr txBox="1">
+            <a:spLocks noGrp="1"/>
+          </p:cNvSpPr>
+          <p:nvPr>
+            <p:ph type="subTitle" idx="3"/>
+          </p:nvPr>
+        </p:nvSpPr>
+        <p:spPr>
+          <a:xfrm>
+            <a:off x="10" y="10"/>
+            <a:ext cx="8442300" cy="396300"/>
+          </a:xfrm>
+          <a:prstGeom prst="rect">
+            <a:avLst/>
+          </a:prstGeom>
+          <a:noFill/>
+          <a:ln>
+            <a:noFill/>
+          </a:ln>
+        </p:spPr>
+        <p:txBody>
+          <a:bodyPr lIns="91425" tIns="91425" rIns="91425" bIns="91425" anchor="t" anchorCtr="0">
+            <a:noAutofit/>
+          </a:bodyPr>
+          <a:lstStyle/>
+          <a:p>
+            <a:pPr marL="0" marR="0" lvl="0" indent="0" algn="l" rtl="0">
+              <a:lnSpc>
+                <a:spcPct val="100000"/>
+              </a:lnSpc>
+              <a:spcBef>
+                <a:spcPts val="0"/>
+              </a:spcBef>
+              <a:spcAft>
+                <a:spcPts val="0"/>
+              </a:spcAft>
+              <a:buClr>
+                <a:schemeClr val="accent1"/>
+              </a:buClr>
+              <a:buSzPct val="25000"/>
+              <a:buFont typeface="Arial"/>
+              <a:buNone/>
+            </a:pPr>
+            <a:r>
+              <a:rPr lang="en" sz="2400" dirty="0"/>
+              <a:t>Approach</a:t>
+            </a:r>
+          </a:p>
+        </p:txBody>
+      </p:sp>
+    </p:spTree>
+    <p:extLst>
+      <p:ext uri="{BB962C8B-B14F-4D97-AF65-F5344CB8AC3E}">
+        <p14:creationId xmlns:p14="http://schemas.microsoft.com/office/powerpoint/2010/main" val="2270853130"/>
+      </p:ext>
+    </p:extLst>
+  </p:cSld>
+  <p:clrMapOvr>
+    <a:masterClrMapping/>
+  </p:clrMapOvr>
+</p:sld>
+</file>
+
+<file path=ppt/slides/slide7.xml><?xml version="1.0" encoding="utf-8"?>
 <p:sld xmlns:a="http://schemas.openxmlformats.org/drawingml/2006/main" xmlns:r="http://schemas.openxmlformats.org/officeDocument/2006/relationships" xmlns:p="http://schemas.openxmlformats.org/presentationml/2006/main">
   <p:cSld>
     <p:spTree>
@@ -30684,7 +31450,7 @@
 </p:sld>
 </file>
 
-<file path=ppt/slides/slide7.xml><?xml version="1.0" encoding="utf-8"?>
+<file path=ppt/slides/slide8.xml><?xml version="1.0" encoding="utf-8"?>
 <p:sld xmlns:a="http://schemas.openxmlformats.org/drawingml/2006/main" xmlns:r="http://schemas.openxmlformats.org/officeDocument/2006/relationships" xmlns:p="http://schemas.openxmlformats.org/presentationml/2006/main">
   <p:cSld>
     <p:spTree>
@@ -30749,7 +31515,7 @@
             </a:pPr>
             <a:r>
               <a:rPr lang="en" sz="2400" dirty="0"/>
-              <a:t>Data Visualization</a:t>
+              <a:t>Data</a:t>
             </a:r>
           </a:p>
         </p:txBody>
@@ -30770,8 +31536,32 @@
         </p:blipFill>
         <p:spPr>
           <a:xfrm>
-            <a:off x="10" y="1636705"/>
-            <a:ext cx="9042099" cy="2474757"/>
+            <a:off x="200233" y="2845368"/>
+            <a:ext cx="8374664" cy="2292085"/>
+          </a:xfrm>
+          <a:prstGeom prst="rect">
+            <a:avLst/>
+          </a:prstGeom>
+        </p:spPr>
+      </p:pic>
+      <p:pic>
+        <p:nvPicPr>
+          <p:cNvPr id="2" name="Picture 1"/>
+          <p:cNvPicPr>
+            <a:picLocks noChangeAspect="1"/>
+          </p:cNvPicPr>
+          <p:nvPr/>
+        </p:nvPicPr>
+        <p:blipFill>
+          <a:blip r:embed="rId4"/>
+          <a:stretch>
+            <a:fillRect/>
+          </a:stretch>
+        </p:blipFill>
+        <p:spPr>
+          <a:xfrm>
+            <a:off x="200233" y="434282"/>
+            <a:ext cx="6716028" cy="2411086"/>
           </a:xfrm>
           <a:prstGeom prst="rect">
             <a:avLst/>
@@ -30782,232 +31572,6 @@
     <p:extLst>
       <p:ext uri="{BB962C8B-B14F-4D97-AF65-F5344CB8AC3E}">
         <p14:creationId xmlns:p14="http://schemas.microsoft.com/office/powerpoint/2010/main" val="906037948"/>
-      </p:ext>
-    </p:extLst>
-  </p:cSld>
-  <p:clrMapOvr>
-    <a:masterClrMapping/>
-  </p:clrMapOvr>
-</p:sld>
-</file>
-
-<file path=ppt/slides/slide8.xml><?xml version="1.0" encoding="utf-8"?>
-<p:sld xmlns:a="http://schemas.openxmlformats.org/drawingml/2006/main" xmlns:r="http://schemas.openxmlformats.org/officeDocument/2006/relationships" xmlns:p="http://schemas.openxmlformats.org/presentationml/2006/main">
-  <p:cSld>
-    <p:spTree>
-      <p:nvGrpSpPr>
-        <p:cNvPr id="1" name="Shape 345"/>
-        <p:cNvGrpSpPr/>
-        <p:nvPr/>
-      </p:nvGrpSpPr>
-      <p:grpSpPr>
-        <a:xfrm>
-          <a:off x="0" y="0"/>
-          <a:ext cx="0" cy="0"/>
-          <a:chOff x="0" y="0"/>
-          <a:chExt cx="0" cy="0"/>
-        </a:xfrm>
-      </p:grpSpPr>
-      <p:sp>
-        <p:nvSpPr>
-          <p:cNvPr id="346" name="Shape 346"/>
-          <p:cNvSpPr txBox="1">
-            <a:spLocks noGrp="1"/>
-          </p:cNvSpPr>
-          <p:nvPr>
-            <p:ph type="body" idx="1"/>
-          </p:nvPr>
-        </p:nvSpPr>
-        <p:spPr>
-          <a:xfrm>
-            <a:off x="305525" y="708050"/>
-            <a:ext cx="8136900" cy="4081500"/>
-          </a:xfrm>
-          <a:prstGeom prst="rect">
-            <a:avLst/>
-          </a:prstGeom>
-        </p:spPr>
-        <p:txBody>
-          <a:bodyPr lIns="91425" tIns="91425" rIns="91425" bIns="91425" anchor="t" anchorCtr="0">
-            <a:noAutofit/>
-          </a:bodyPr>
-          <a:lstStyle/>
-          <a:p>
-            <a:pPr marL="457200" marR="0" lvl="0" indent="-228600" algn="l" rtl="0">
-              <a:lnSpc>
-                <a:spcPct val="115000"/>
-              </a:lnSpc>
-              <a:spcBef>
-                <a:spcPts val="0"/>
-              </a:spcBef>
-              <a:spcAft>
-                <a:spcPts val="0"/>
-              </a:spcAft>
-              <a:buClr>
-                <a:schemeClr val="dk1"/>
-              </a:buClr>
-              <a:buFont typeface="Arial"/>
-              <a:buChar char="●"/>
-            </a:pPr>
-            <a:r>
-              <a:rPr lang="en" dirty="0">
-                <a:solidFill>
-                  <a:schemeClr val="dk1"/>
-                </a:solidFill>
-                <a:latin typeface="Arial"/>
-                <a:ea typeface="Arial"/>
-                <a:cs typeface="Arial"/>
-                <a:sym typeface="Arial"/>
-              </a:rPr>
-              <a:t>I decided to focus my attention on Logistic Regression due to how non-normal the data was when I attempted linear regression</a:t>
-            </a:r>
-          </a:p>
-          <a:p>
-            <a:pPr marL="457200" marR="0" lvl="0" indent="-228600" algn="l" rtl="0">
-              <a:lnSpc>
-                <a:spcPct val="115000"/>
-              </a:lnSpc>
-              <a:spcBef>
-                <a:spcPts val="0"/>
-              </a:spcBef>
-              <a:spcAft>
-                <a:spcPts val="0"/>
-              </a:spcAft>
-              <a:buClr>
-                <a:schemeClr val="dk1"/>
-              </a:buClr>
-              <a:buFont typeface="Arial"/>
-              <a:buChar char="●"/>
-            </a:pPr>
-            <a:r>
-              <a:rPr lang="en" dirty="0">
-                <a:solidFill>
-                  <a:schemeClr val="dk1"/>
-                </a:solidFill>
-                <a:latin typeface="Arial"/>
-                <a:ea typeface="Arial"/>
-                <a:cs typeface="Arial"/>
-                <a:sym typeface="Arial"/>
-              </a:rPr>
-              <a:t>I created a binary flag indicating if the customer churned in the next month or not, which also got rid of many of my NA values</a:t>
-            </a:r>
-          </a:p>
-          <a:p>
-            <a:pPr marL="457200" marR="0" lvl="0" indent="-228600" algn="l" rtl="0">
-              <a:lnSpc>
-                <a:spcPct val="115000"/>
-              </a:lnSpc>
-              <a:spcBef>
-                <a:spcPts val="0"/>
-              </a:spcBef>
-              <a:spcAft>
-                <a:spcPts val="0"/>
-              </a:spcAft>
-              <a:buClr>
-                <a:schemeClr val="dk1"/>
-              </a:buClr>
-              <a:buFont typeface="Arial"/>
-              <a:buChar char="●"/>
-            </a:pPr>
-            <a:r>
-              <a:rPr lang="en" dirty="0">
-                <a:solidFill>
-                  <a:schemeClr val="dk1"/>
-                </a:solidFill>
-                <a:latin typeface="Arial"/>
-                <a:ea typeface="Arial"/>
-                <a:cs typeface="Arial"/>
-                <a:sym typeface="Arial"/>
-              </a:rPr>
-              <a:t>Given my previous analysis I had already done with covariance and graphing the data,  I could tell sig_exp_90 would be worth splitting data on</a:t>
-            </a:r>
-          </a:p>
-          <a:p>
-            <a:pPr marL="457200" marR="0" lvl="0" indent="-228600" algn="l" rtl="0">
-              <a:lnSpc>
-                <a:spcPct val="115000"/>
-              </a:lnSpc>
-              <a:spcBef>
-                <a:spcPts val="0"/>
-              </a:spcBef>
-              <a:spcAft>
-                <a:spcPts val="0"/>
-              </a:spcAft>
-              <a:buClr>
-                <a:schemeClr val="dk1"/>
-              </a:buClr>
-              <a:buFont typeface="Arial"/>
-              <a:buChar char="●"/>
-            </a:pPr>
-            <a:endParaRPr lang="en" dirty="0">
-              <a:solidFill>
-                <a:schemeClr val="dk1"/>
-              </a:solidFill>
-              <a:latin typeface="Arial"/>
-              <a:ea typeface="Arial"/>
-              <a:cs typeface="Arial"/>
-              <a:sym typeface="Arial"/>
-            </a:endParaRPr>
-          </a:p>
-        </p:txBody>
-      </p:sp>
-      <p:sp>
-        <p:nvSpPr>
-          <p:cNvPr id="347" name="Shape 347"/>
-          <p:cNvSpPr txBox="1">
-            <a:spLocks noGrp="1"/>
-          </p:cNvSpPr>
-          <p:nvPr>
-            <p:ph type="subTitle" idx="3"/>
-          </p:nvPr>
-        </p:nvSpPr>
-        <p:spPr>
-          <a:xfrm>
-            <a:off x="10" y="10"/>
-            <a:ext cx="8442300" cy="396300"/>
-          </a:xfrm>
-          <a:prstGeom prst="rect">
-            <a:avLst/>
-          </a:prstGeom>
-          <a:noFill/>
-          <a:ln>
-            <a:noFill/>
-          </a:ln>
-        </p:spPr>
-        <p:txBody>
-          <a:bodyPr lIns="91425" tIns="91425" rIns="91425" bIns="91425" anchor="t" anchorCtr="0">
-            <a:noAutofit/>
-          </a:bodyPr>
-          <a:lstStyle/>
-          <a:p>
-            <a:pPr marL="0" marR="0" lvl="0" indent="0" algn="l" rtl="0">
-              <a:lnSpc>
-                <a:spcPct val="100000"/>
-              </a:lnSpc>
-              <a:spcBef>
-                <a:spcPts val="0"/>
-              </a:spcBef>
-              <a:spcAft>
-                <a:spcPts val="0"/>
-              </a:spcAft>
-              <a:buClr>
-                <a:schemeClr val="accent1"/>
-              </a:buClr>
-              <a:buSzPct val="25000"/>
-              <a:buFont typeface="Arial"/>
-              <a:buNone/>
-            </a:pPr>
-            <a:r>
-              <a:rPr lang="en" sz="2400" dirty="0"/>
-              <a:t>Model</a:t>
-            </a:r>
-          </a:p>
-        </p:txBody>
-      </p:sp>
-    </p:spTree>
-    <p:extLst>
-      <p:ext uri="{BB962C8B-B14F-4D97-AF65-F5344CB8AC3E}">
-        <p14:creationId xmlns:p14="http://schemas.microsoft.com/office/powerpoint/2010/main" val="4096984334"/>
       </p:ext>
     </p:extLst>
   </p:cSld>
@@ -31059,7 +31623,7 @@
           </a:bodyPr>
           <a:lstStyle/>
           <a:p>
-            <a:pPr marL="228600" marR="0" lvl="0" algn="l" rtl="0">
+            <a:pPr marL="457200" marR="0" lvl="0" indent="-228600" algn="l" rtl="0">
               <a:lnSpc>
                 <a:spcPct val="115000"/>
               </a:lnSpc>
@@ -31072,6 +31636,8 @@
               <a:buClr>
                 <a:schemeClr val="dk1"/>
               </a:buClr>
+              <a:buFont typeface="Arial"/>
+              <a:buChar char="●"/>
             </a:pPr>
             <a:r>
               <a:rPr lang="en" dirty="0">
@@ -31083,14 +31649,20 @@
                 <a:cs typeface="Arial"/>
                 <a:sym typeface="Arial"/>
               </a:rPr>
-              <a:t>When Sig_Exp_90 == 0:</a:t>
+              <a:t>I decided to focus my attention on Logistic Regression due to how non-normal the data was when I attempted linear regression</a:t>
             </a:r>
           </a:p>
           <a:p>
-            <a:pPr marL="457200" lvl="3" indent="-228600">
+            <a:pPr marL="457200" marR="0" lvl="0" indent="-228600" algn="l" rtl="0">
               <a:lnSpc>
                 <a:spcPct val="115000"/>
               </a:lnSpc>
+              <a:spcBef>
+                <a:spcPts val="0"/>
+              </a:spcBef>
+              <a:spcAft>
+                <a:spcPts val="0"/>
+              </a:spcAft>
               <a:buClr>
                 <a:schemeClr val="dk1"/>
               </a:buClr>
@@ -31098,17 +31670,29 @@
               <a:buChar char="●"/>
             </a:pPr>
             <a:r>
-              <a:rPr lang="en-US" altLang="en-US" sz="1600" dirty="0">
-                <a:latin typeface="Courier New" panose="02070309020205020404" pitchFamily="49" charset="0"/>
+              <a:rPr lang="en" dirty="0">
+                <a:solidFill>
+                  <a:schemeClr val="dk1"/>
+                </a:solidFill>
+                <a:latin typeface="Arial"/>
+                <a:ea typeface="Arial"/>
+                <a:cs typeface="Arial"/>
+                <a:sym typeface="Arial"/>
               </a:rPr>
-              <a:t>training misclassification = 0.253</a:t>
+              <a:t>I created a binary flag indicating if the customer churned in the next month or not, which also got rid of many of my NA values</a:t>
             </a:r>
           </a:p>
           <a:p>
-            <a:pPr marL="457200" lvl="4" indent="-228600">
+            <a:pPr marL="457200" marR="0" lvl="0" indent="-228600" algn="l" rtl="0">
               <a:lnSpc>
                 <a:spcPct val="115000"/>
               </a:lnSpc>
+              <a:spcBef>
+                <a:spcPts val="0"/>
+              </a:spcBef>
+              <a:spcAft>
+                <a:spcPts val="0"/>
+              </a:spcAft>
               <a:buClr>
                 <a:schemeClr val="dk1"/>
               </a:buClr>
@@ -31116,222 +31700,17 @@
               <a:buChar char="●"/>
             </a:pPr>
             <a:r>
-              <a:rPr lang="en-US" altLang="en-US" sz="1600" dirty="0">
-                <a:latin typeface="Courier New" panose="02070309020205020404" pitchFamily="49" charset="0"/>
+              <a:rPr lang="en" dirty="0">
+                <a:solidFill>
+                  <a:schemeClr val="dk1"/>
+                </a:solidFill>
+                <a:latin typeface="Arial"/>
+                <a:ea typeface="Arial"/>
+                <a:cs typeface="Arial"/>
+                <a:sym typeface="Arial"/>
               </a:rPr>
-              <a:t>testing misclassification = 0.255</a:t>
+              <a:t>Given my previous analysis I had already done with covariance and graphing the data,  I could tell sig_exp_90 would be worth splitting data on</a:t>
             </a:r>
-            <a:r>
-              <a:rPr lang="en-US" altLang="en-US" sz="900" dirty="0">
-                <a:solidFill>
-                  <a:schemeClr val="tx1"/>
-                </a:solidFill>
-              </a:rPr>
-              <a:t> </a:t>
-            </a:r>
-            <a:br>
-              <a:rPr lang="en-US" altLang="en-US" sz="800" dirty="0">
-                <a:solidFill>
-                  <a:schemeClr val="tx1"/>
-                </a:solidFill>
-              </a:rPr>
-            </a:br>
-            <a:endParaRPr lang="en-US" altLang="en-US" sz="800" dirty="0">
-              <a:solidFill>
-                <a:schemeClr val="tx1"/>
-              </a:solidFill>
-            </a:endParaRPr>
-          </a:p>
-          <a:p>
-            <a:pPr marL="228600" lvl="4">
-              <a:lnSpc>
-                <a:spcPct val="115000"/>
-              </a:lnSpc>
-              <a:buClr>
-                <a:schemeClr val="dk1"/>
-              </a:buClr>
-            </a:pPr>
-            <a:r>
-              <a:rPr lang="en" sz="2300" dirty="0">
-                <a:solidFill>
-                  <a:schemeClr val="dk1"/>
-                </a:solidFill>
-                <a:sym typeface="Proxima Nova"/>
-              </a:rPr>
-              <a:t>When Sig_Exp_90 == 1:</a:t>
-            </a:r>
-          </a:p>
-          <a:p>
-            <a:pPr marL="571500" lvl="4" indent="-342900">
-              <a:lnSpc>
-                <a:spcPct val="115000"/>
-              </a:lnSpc>
-              <a:buClr>
-                <a:schemeClr val="dk1"/>
-              </a:buClr>
-              <a:buFont typeface="Arial" panose="020B0604020202020204" pitchFamily="34" charset="0"/>
-              <a:buChar char="•"/>
-            </a:pPr>
-            <a:r>
-              <a:rPr lang="en-US" altLang="en-US" sz="1800" dirty="0">
-                <a:latin typeface="Courier New" panose="02070309020205020404" pitchFamily="49" charset="0"/>
-              </a:rPr>
-              <a:t>training misclassification = 0.119079071523 </a:t>
-            </a:r>
-          </a:p>
-          <a:p>
-            <a:pPr marL="571500" lvl="4" indent="-342900">
-              <a:lnSpc>
-                <a:spcPct val="115000"/>
-              </a:lnSpc>
-              <a:buClr>
-                <a:schemeClr val="dk1"/>
-              </a:buClr>
-              <a:buFont typeface="Arial" panose="020B0604020202020204" pitchFamily="34" charset="0"/>
-              <a:buChar char="•"/>
-            </a:pPr>
-            <a:r>
-              <a:rPr lang="en-US" altLang="en-US" sz="1800" dirty="0">
-                <a:latin typeface="Courier New" panose="02070309020205020404" pitchFamily="49" charset="0"/>
-              </a:rPr>
-              <a:t>testing misclassification = 0.113250283126 </a:t>
-            </a:r>
-          </a:p>
-          <a:p>
-            <a:pPr marL="228600" lvl="4">
-              <a:lnSpc>
-                <a:spcPct val="115000"/>
-              </a:lnSpc>
-              <a:buClr>
-                <a:schemeClr val="dk1"/>
-              </a:buClr>
-            </a:pPr>
-            <a:endParaRPr lang="en-US" sz="1800" dirty="0">
-              <a:solidFill>
-                <a:schemeClr val="dk1"/>
-              </a:solidFill>
-              <a:latin typeface="Courier New" panose="02070309020205020404" pitchFamily="49" charset="0"/>
-              <a:sym typeface="Proxima Nova"/>
-            </a:endParaRPr>
-          </a:p>
-          <a:p>
-            <a:pPr marL="228600" lvl="4">
-              <a:lnSpc>
-                <a:spcPct val="115000"/>
-              </a:lnSpc>
-              <a:buClr>
-                <a:schemeClr val="dk1"/>
-              </a:buClr>
-            </a:pPr>
-            <a:r>
-              <a:rPr lang="en-US" sz="2300" dirty="0">
-                <a:solidFill>
-                  <a:schemeClr val="dk1"/>
-                </a:solidFill>
-                <a:sym typeface="Proxima Nova"/>
-              </a:rPr>
-              <a:t>Linear regression doesn’t seem like the way to go. More useful to use Linear Regression.</a:t>
-            </a:r>
-            <a:endParaRPr lang="en-US" sz="1800" dirty="0">
-              <a:solidFill>
-                <a:schemeClr val="dk1"/>
-              </a:solidFill>
-              <a:latin typeface="Courier New" panose="02070309020205020404" pitchFamily="49" charset="0"/>
-              <a:sym typeface="Proxima Nova"/>
-            </a:endParaRPr>
-          </a:p>
-          <a:p>
-            <a:pPr marL="228600" lvl="4">
-              <a:lnSpc>
-                <a:spcPct val="115000"/>
-              </a:lnSpc>
-              <a:buClr>
-                <a:schemeClr val="dk1"/>
-              </a:buClr>
-            </a:pPr>
-            <a:r>
-              <a:rPr lang="en-US" sz="2300" dirty="0">
-                <a:solidFill>
-                  <a:schemeClr val="dk1"/>
-                </a:solidFill>
-                <a:sym typeface="Proxima Nova"/>
-              </a:rPr>
-              <a:t>Challenges:</a:t>
-            </a:r>
-          </a:p>
-          <a:p>
-            <a:pPr marL="571500" lvl="4" indent="-342900">
-              <a:lnSpc>
-                <a:spcPct val="115000"/>
-              </a:lnSpc>
-              <a:buClr>
-                <a:schemeClr val="dk1"/>
-              </a:buClr>
-              <a:buFont typeface="Arial" panose="020B0604020202020204" pitchFamily="34" charset="0"/>
-              <a:buChar char="•"/>
-            </a:pPr>
-            <a:r>
-              <a:rPr lang="en-US" sz="2300" dirty="0">
-                <a:solidFill>
-                  <a:schemeClr val="dk1"/>
-                </a:solidFill>
-                <a:sym typeface="Proxima Nova"/>
-              </a:rPr>
-              <a:t>Data has time series element to it. </a:t>
-            </a:r>
-          </a:p>
-          <a:p>
-            <a:pPr marL="228600" lvl="4">
-              <a:lnSpc>
-                <a:spcPct val="115000"/>
-              </a:lnSpc>
-              <a:buClr>
-                <a:schemeClr val="dk1"/>
-              </a:buClr>
-            </a:pPr>
-            <a:endParaRPr lang="en" sz="2300" dirty="0">
-              <a:solidFill>
-                <a:schemeClr val="dk1"/>
-              </a:solidFill>
-              <a:sym typeface="Proxima Nova"/>
-            </a:endParaRPr>
-          </a:p>
-          <a:p>
-            <a:pPr marL="228600" lvl="4">
-              <a:lnSpc>
-                <a:spcPct val="115000"/>
-              </a:lnSpc>
-              <a:buClr>
-                <a:schemeClr val="dk1"/>
-              </a:buClr>
-            </a:pPr>
-            <a:endParaRPr lang="en-US" altLang="en-US" sz="3200" dirty="0">
-              <a:solidFill>
-                <a:schemeClr val="tx1"/>
-              </a:solidFill>
-              <a:latin typeface="Arial" panose="020B0604020202020204" pitchFamily="34" charset="0"/>
-            </a:endParaRPr>
-          </a:p>
-          <a:p>
-            <a:pPr marL="457200" lvl="1" indent="-228600">
-              <a:lnSpc>
-                <a:spcPct val="115000"/>
-              </a:lnSpc>
-              <a:buClr>
-                <a:schemeClr val="dk1"/>
-              </a:buClr>
-              <a:buFont typeface="Arial"/>
-              <a:buChar char="●"/>
-            </a:pPr>
-            <a:endParaRPr lang="en" dirty="0">
-              <a:solidFill>
-                <a:schemeClr val="dk1"/>
-              </a:solidFill>
-              <a:latin typeface="Arial"/>
-              <a:ea typeface="Arial"/>
-              <a:cs typeface="Arial"/>
-              <a:sym typeface="Arial"/>
-            </a:endParaRPr>
           </a:p>
           <a:p>
             <a:pPr marL="457200" marR="0" lvl="0" indent="-228600" algn="l" rtl="0">
@@ -31410,7 +31789,7 @@
             </a:pPr>
             <a:r>
               <a:rPr lang="en" sz="2400" dirty="0"/>
-              <a:t>Results</a:t>
+              <a:t>Model</a:t>
             </a:r>
           </a:p>
         </p:txBody>
@@ -31418,7 +31797,7 @@
     </p:spTree>
     <p:extLst>
       <p:ext uri="{BB962C8B-B14F-4D97-AF65-F5344CB8AC3E}">
-        <p14:creationId xmlns:p14="http://schemas.microsoft.com/office/powerpoint/2010/main" val="941955816"/>
+        <p14:creationId xmlns:p14="http://schemas.microsoft.com/office/powerpoint/2010/main" val="4096984334"/>
       </p:ext>
     </p:extLst>
   </p:cSld>
